--- a/Class_Materials/5.SNP_calling/figs/figs.pptx
+++ b/Class_Materials/5.SNP_calling/figs/figs.pptx
@@ -3321,204 +3321,225 @@
           <a:chExt cx="0" cy="0"/>
         </a:xfrm>
       </p:grpSpPr>
-      <p:pic>
-        <p:nvPicPr>
-          <p:cNvPr id="4" name="Picture 3">
-            <a:extLst>
-              <a:ext uri="{FF2B5EF4-FFF2-40B4-BE49-F238E27FC236}">
-                <a16:creationId xmlns:a16="http://schemas.microsoft.com/office/drawing/2014/main" id="{0FA2E2CD-D073-8246-A9C1-91F2B2CD157C}"/>
-              </a:ext>
-            </a:extLst>
-          </p:cNvPr>
-          <p:cNvPicPr>
-            <a:picLocks noChangeAspect="1"/>
-          </p:cNvPicPr>
+      <p:grpSp>
+        <p:nvGrpSpPr>
+          <p:cNvPr id="9" name="Group 8">
+            <a:extLst>
+              <a:ext uri="{FF2B5EF4-FFF2-40B4-BE49-F238E27FC236}">
+                <a16:creationId xmlns:a16="http://schemas.microsoft.com/office/drawing/2014/main" id="{E55E2966-A7F4-3245-ACD4-2832DCA24898}"/>
+              </a:ext>
+            </a:extLst>
+          </p:cNvPr>
+          <p:cNvGrpSpPr/>
           <p:nvPr/>
-        </p:nvPicPr>
-        <p:blipFill>
-          <a:blip r:embed="rId2"/>
-          <a:stretch>
-            <a:fillRect/>
-          </a:stretch>
-        </p:blipFill>
-        <p:spPr>
+        </p:nvGrpSpPr>
+        <p:grpSpPr>
           <a:xfrm>
             <a:off x="505425" y="673099"/>
-            <a:ext cx="7051149" cy="3370263"/>
+            <a:ext cx="7051149" cy="3388949"/>
+            <a:chOff x="505425" y="673099"/>
+            <a:chExt cx="7051149" cy="3388949"/>
           </a:xfrm>
-          <a:prstGeom prst="rect">
-            <a:avLst/>
-          </a:prstGeom>
-        </p:spPr>
-      </p:pic>
-      <p:sp>
-        <p:nvSpPr>
-          <p:cNvPr id="5" name="Rectangle 4">
-            <a:extLst>
-              <a:ext uri="{FF2B5EF4-FFF2-40B4-BE49-F238E27FC236}">
-                <a16:creationId xmlns:a16="http://schemas.microsoft.com/office/drawing/2014/main" id="{D0ABDF8F-529F-3445-A63B-4577C9AE1477}"/>
-              </a:ext>
-            </a:extLst>
-          </p:cNvPr>
-          <p:cNvSpPr/>
-          <p:nvPr/>
-        </p:nvSpPr>
-        <p:spPr>
-          <a:xfrm>
-            <a:off x="4972050" y="942975"/>
-            <a:ext cx="1400175" cy="357188"/>
-          </a:xfrm>
-          <a:prstGeom prst="rect">
-            <a:avLst/>
-          </a:prstGeom>
-          <a:solidFill>
-            <a:schemeClr val="bg1"/>
-          </a:solidFill>
-          <a:ln>
+        </p:grpSpPr>
+        <p:pic>
+          <p:nvPicPr>
+            <p:cNvPr id="4" name="Picture 3">
+              <a:extLst>
+                <a:ext uri="{FF2B5EF4-FFF2-40B4-BE49-F238E27FC236}">
+                  <a16:creationId xmlns:a16="http://schemas.microsoft.com/office/drawing/2014/main" id="{0FA2E2CD-D073-8246-A9C1-91F2B2CD157C}"/>
+                </a:ext>
+              </a:extLst>
+            </p:cNvPr>
+            <p:cNvPicPr>
+              <a:picLocks noChangeAspect="1"/>
+            </p:cNvPicPr>
+            <p:nvPr/>
+          </p:nvPicPr>
+          <p:blipFill>
+            <a:blip r:embed="rId2"/>
+            <a:stretch>
+              <a:fillRect/>
+            </a:stretch>
+          </p:blipFill>
+          <p:spPr>
+            <a:xfrm>
+              <a:off x="505425" y="673099"/>
+              <a:ext cx="7051149" cy="3370263"/>
+            </a:xfrm>
+            <a:prstGeom prst="rect">
+              <a:avLst/>
+            </a:prstGeom>
+          </p:spPr>
+        </p:pic>
+        <p:sp>
+          <p:nvSpPr>
+            <p:cNvPr id="5" name="Rectangle 4">
+              <a:extLst>
+                <a:ext uri="{FF2B5EF4-FFF2-40B4-BE49-F238E27FC236}">
+                  <a16:creationId xmlns:a16="http://schemas.microsoft.com/office/drawing/2014/main" id="{D0ABDF8F-529F-3445-A63B-4577C9AE1477}"/>
+                </a:ext>
+              </a:extLst>
+            </p:cNvPr>
+            <p:cNvSpPr/>
+            <p:nvPr/>
+          </p:nvSpPr>
+          <p:spPr>
+            <a:xfrm>
+              <a:off x="4972050" y="942975"/>
+              <a:ext cx="1400175" cy="357188"/>
+            </a:xfrm>
+            <a:prstGeom prst="rect">
+              <a:avLst/>
+            </a:prstGeom>
+            <a:solidFill>
+              <a:schemeClr val="bg1"/>
+            </a:solidFill>
+            <a:ln>
+              <a:noFill/>
+            </a:ln>
+          </p:spPr>
+          <p:style>
+            <a:lnRef idx="2">
+              <a:schemeClr val="accent1">
+                <a:shade val="50000"/>
+              </a:schemeClr>
+            </a:lnRef>
+            <a:fillRef idx="1">
+              <a:schemeClr val="accent1"/>
+            </a:fillRef>
+            <a:effectRef idx="0">
+              <a:schemeClr val="accent1"/>
+            </a:effectRef>
+            <a:fontRef idx="minor">
+              <a:schemeClr val="lt1"/>
+            </a:fontRef>
+          </p:style>
+          <p:txBody>
+            <a:bodyPr rtlCol="0" anchor="ctr"/>
+            <a:lstStyle/>
+            <a:p>
+              <a:pPr algn="ctr"/>
+              <a:endParaRPr lang="en-US"/>
+            </a:p>
+          </p:txBody>
+        </p:sp>
+        <p:sp>
+          <p:nvSpPr>
+            <p:cNvPr id="6" name="Down Arrow 5">
+              <a:extLst>
+                <a:ext uri="{FF2B5EF4-FFF2-40B4-BE49-F238E27FC236}">
+                  <a16:creationId xmlns:a16="http://schemas.microsoft.com/office/drawing/2014/main" id="{E1AF7D08-57C1-9049-9503-EE86C15C744E}"/>
+                </a:ext>
+              </a:extLst>
+            </p:cNvPr>
+            <p:cNvSpPr/>
+            <p:nvPr/>
+          </p:nvSpPr>
+          <p:spPr>
+            <a:xfrm>
+              <a:off x="4856978" y="1137552"/>
+              <a:ext cx="279572" cy="420130"/>
+            </a:xfrm>
+            <a:prstGeom prst="downArrow">
+              <a:avLst/>
+            </a:prstGeom>
+          </p:spPr>
+          <p:style>
+            <a:lnRef idx="2">
+              <a:schemeClr val="accent1">
+                <a:shade val="50000"/>
+              </a:schemeClr>
+            </a:lnRef>
+            <a:fillRef idx="1">
+              <a:schemeClr val="accent1"/>
+            </a:fillRef>
+            <a:effectRef idx="0">
+              <a:schemeClr val="accent1"/>
+            </a:effectRef>
+            <a:fontRef idx="minor">
+              <a:schemeClr val="lt1"/>
+            </a:fontRef>
+          </p:style>
+          <p:txBody>
+            <a:bodyPr rtlCol="0" anchor="ctr"/>
+            <a:lstStyle/>
+            <a:p>
+              <a:pPr algn="ctr"/>
+              <a:endParaRPr lang="en-US"/>
+            </a:p>
+          </p:txBody>
+        </p:sp>
+        <p:sp>
+          <p:nvSpPr>
+            <p:cNvPr id="7" name="TextBox 6">
+              <a:extLst>
+                <a:ext uri="{FF2B5EF4-FFF2-40B4-BE49-F238E27FC236}">
+                  <a16:creationId xmlns:a16="http://schemas.microsoft.com/office/drawing/2014/main" id="{0327DB5F-C3F2-1E49-AE07-189F059A78C9}"/>
+                </a:ext>
+              </a:extLst>
+            </p:cNvPr>
+            <p:cNvSpPr txBox="1"/>
+            <p:nvPr/>
+          </p:nvSpPr>
+          <p:spPr>
+            <a:xfrm>
+              <a:off x="4466875" y="752237"/>
+              <a:ext cx="1059777" cy="369332"/>
+            </a:xfrm>
+            <a:prstGeom prst="rect">
+              <a:avLst/>
+            </a:prstGeom>
             <a:noFill/>
-          </a:ln>
-        </p:spPr>
-        <p:style>
-          <a:lnRef idx="2">
-            <a:schemeClr val="accent1">
-              <a:shade val="50000"/>
-            </a:schemeClr>
-          </a:lnRef>
-          <a:fillRef idx="1">
-            <a:schemeClr val="accent1"/>
-          </a:fillRef>
-          <a:effectRef idx="0">
-            <a:schemeClr val="accent1"/>
-          </a:effectRef>
-          <a:fontRef idx="minor">
-            <a:schemeClr val="lt1"/>
-          </a:fontRef>
-        </p:style>
-        <p:txBody>
-          <a:bodyPr rtlCol="0" anchor="ctr"/>
-          <a:lstStyle/>
-          <a:p>
-            <a:pPr algn="ctr"/>
-            <a:endParaRPr lang="en-US"/>
-          </a:p>
-        </p:txBody>
-      </p:sp>
-      <p:sp>
-        <p:nvSpPr>
-          <p:cNvPr id="6" name="Down Arrow 5">
-            <a:extLst>
-              <a:ext uri="{FF2B5EF4-FFF2-40B4-BE49-F238E27FC236}">
-                <a16:creationId xmlns:a16="http://schemas.microsoft.com/office/drawing/2014/main" id="{E1AF7D08-57C1-9049-9503-EE86C15C744E}"/>
-              </a:ext>
-            </a:extLst>
-          </p:cNvPr>
-          <p:cNvSpPr/>
-          <p:nvPr/>
-        </p:nvSpPr>
-        <p:spPr>
-          <a:xfrm>
-            <a:off x="4856978" y="1137552"/>
-            <a:ext cx="279572" cy="420130"/>
-          </a:xfrm>
-          <a:prstGeom prst="downArrow">
-            <a:avLst/>
-          </a:prstGeom>
-        </p:spPr>
-        <p:style>
-          <a:lnRef idx="2">
-            <a:schemeClr val="accent1">
-              <a:shade val="50000"/>
-            </a:schemeClr>
-          </a:lnRef>
-          <a:fillRef idx="1">
-            <a:schemeClr val="accent1"/>
-          </a:fillRef>
-          <a:effectRef idx="0">
-            <a:schemeClr val="accent1"/>
-          </a:effectRef>
-          <a:fontRef idx="minor">
-            <a:schemeClr val="lt1"/>
-          </a:fontRef>
-        </p:style>
-        <p:txBody>
-          <a:bodyPr rtlCol="0" anchor="ctr"/>
-          <a:lstStyle/>
-          <a:p>
-            <a:pPr algn="ctr"/>
-            <a:endParaRPr lang="en-US"/>
-          </a:p>
-        </p:txBody>
-      </p:sp>
-      <p:sp>
-        <p:nvSpPr>
-          <p:cNvPr id="7" name="TextBox 6">
-            <a:extLst>
-              <a:ext uri="{FF2B5EF4-FFF2-40B4-BE49-F238E27FC236}">
-                <a16:creationId xmlns:a16="http://schemas.microsoft.com/office/drawing/2014/main" id="{0327DB5F-C3F2-1E49-AE07-189F059A78C9}"/>
-              </a:ext>
-            </a:extLst>
-          </p:cNvPr>
-          <p:cNvSpPr txBox="1"/>
-          <p:nvPr/>
-        </p:nvSpPr>
-        <p:spPr>
-          <a:xfrm>
-            <a:off x="4466875" y="752237"/>
-            <a:ext cx="1059777" cy="369332"/>
-          </a:xfrm>
-          <a:prstGeom prst="rect">
-            <a:avLst/>
-          </a:prstGeom>
-          <a:noFill/>
-        </p:spPr>
-        <p:txBody>
-          <a:bodyPr wrap="none" rtlCol="0">
-            <a:spAutoFit/>
-          </a:bodyPr>
-          <a:lstStyle/>
-          <a:p>
-            <a:r>
-              <a:rPr lang="en-US" dirty="0"/>
-              <a:t>Mutation</a:t>
-            </a:r>
-          </a:p>
-        </p:txBody>
-      </p:sp>
-      <p:sp>
-        <p:nvSpPr>
-          <p:cNvPr id="8" name="TextBox 7">
-            <a:extLst>
-              <a:ext uri="{FF2B5EF4-FFF2-40B4-BE49-F238E27FC236}">
-                <a16:creationId xmlns:a16="http://schemas.microsoft.com/office/drawing/2014/main" id="{1AC24786-AA91-3646-8132-2C954A038EDC}"/>
-              </a:ext>
-            </a:extLst>
-          </p:cNvPr>
-          <p:cNvSpPr txBox="1"/>
-          <p:nvPr/>
-        </p:nvSpPr>
-        <p:spPr>
-          <a:xfrm>
-            <a:off x="4534457" y="3692716"/>
-            <a:ext cx="1984389" cy="369332"/>
-          </a:xfrm>
-          <a:prstGeom prst="rect">
-            <a:avLst/>
-          </a:prstGeom>
-          <a:noFill/>
-        </p:spPr>
-        <p:txBody>
-          <a:bodyPr wrap="none" rtlCol="0">
-            <a:spAutoFit/>
-          </a:bodyPr>
-          <a:lstStyle/>
-          <a:p>
-            <a:r>
-              <a:rPr lang="en-US" dirty="0"/>
-              <a:t>Reference Genome</a:t>
-            </a:r>
-          </a:p>
-        </p:txBody>
-      </p:sp>
+          </p:spPr>
+          <p:txBody>
+            <a:bodyPr wrap="none" rtlCol="0">
+              <a:spAutoFit/>
+            </a:bodyPr>
+            <a:lstStyle/>
+            <a:p>
+              <a:r>
+                <a:rPr lang="en-US" dirty="0"/>
+                <a:t>Mutation</a:t>
+              </a:r>
+            </a:p>
+          </p:txBody>
+        </p:sp>
+        <p:sp>
+          <p:nvSpPr>
+            <p:cNvPr id="8" name="TextBox 7">
+              <a:extLst>
+                <a:ext uri="{FF2B5EF4-FFF2-40B4-BE49-F238E27FC236}">
+                  <a16:creationId xmlns:a16="http://schemas.microsoft.com/office/drawing/2014/main" id="{1AC24786-AA91-3646-8132-2C954A038EDC}"/>
+                </a:ext>
+              </a:extLst>
+            </p:cNvPr>
+            <p:cNvSpPr txBox="1"/>
+            <p:nvPr/>
+          </p:nvSpPr>
+          <p:spPr>
+            <a:xfrm>
+              <a:off x="4534457" y="3692716"/>
+              <a:ext cx="1984389" cy="369332"/>
+            </a:xfrm>
+            <a:prstGeom prst="rect">
+              <a:avLst/>
+            </a:prstGeom>
+            <a:noFill/>
+          </p:spPr>
+          <p:txBody>
+            <a:bodyPr wrap="none" rtlCol="0">
+              <a:spAutoFit/>
+            </a:bodyPr>
+            <a:lstStyle/>
+            <a:p>
+              <a:r>
+                <a:rPr lang="en-US" dirty="0"/>
+                <a:t>Reference Genome</a:t>
+              </a:r>
+            </a:p>
+          </p:txBody>
+        </p:sp>
+      </p:grpSp>
     </p:spTree>
     <p:extLst>
       <p:ext uri="{BB962C8B-B14F-4D97-AF65-F5344CB8AC3E}">
